--- a/antora/components/userguide/modules/btb/images/runtime/web-xml/parts.pptx
+++ b/antora/components/userguide/modules/btb/images/runtime/web-xml/parts.pptx
@@ -107,6 +107,22 @@
       </a:defRPr>
     </a:lvl9pPr>
   </p:defaultTextStyle>
+  <p:extLst>
+    <p:ext uri="{EFAFB233-063F-42B5-8137-9DF3F51BA10A}">
+      <p15:sldGuideLst xmlns:p15="http://schemas.microsoft.com/office/powerpoint/2012/main">
+        <p15:guide id="1" orient="horz" pos="2160">
+          <p15:clr>
+            <a:srgbClr val="A4A3A4"/>
+          </p15:clr>
+        </p15:guide>
+        <p15:guide id="2" pos="2880">
+          <p15:clr>
+            <a:srgbClr val="A4A3A4"/>
+          </p15:clr>
+        </p15:guide>
+      </p15:sldGuideLst>
+    </p:ext>
+  </p:extLst>
 </p:presentation>
 </file>
 
@@ -148,7 +164,7 @@
           <a:lstStyle/>
           <a:p>
             <a:r>
-              <a:rPr lang="en-US" smtClean="0"/>
+              <a:rPr lang="en-US"/>
               <a:t>Click to edit Master title style</a:t>
             </a:r>
             <a:endParaRPr lang="en-GB"/>
@@ -267,7 +283,7 @@
           </a:lstStyle>
           <a:p>
             <a:r>
-              <a:rPr lang="en-US" smtClean="0"/>
+              <a:rPr lang="en-US"/>
               <a:t>Click to edit Master subtitle style</a:t>
             </a:r>
             <a:endParaRPr lang="en-GB"/>
@@ -291,7 +307,7 @@
           <a:p>
             <a:fld id="{2BADA974-C095-4A87-A085-A80765DD6B85}" type="datetimeFigureOut">
               <a:rPr lang="en-GB" smtClean="0"/>
-              <a:t>09/07/2015</a:t>
+              <a:t>12/03/2023</a:t>
             </a:fld>
             <a:endParaRPr lang="en-GB"/>
           </a:p>
@@ -385,7 +401,7 @@
           <a:lstStyle/>
           <a:p>
             <a:r>
-              <a:rPr lang="en-US" smtClean="0"/>
+              <a:rPr lang="en-US"/>
               <a:t>Click to edit Master title style</a:t>
             </a:r>
             <a:endParaRPr lang="en-GB"/>
@@ -409,35 +425,35 @@
           <a:p>
             <a:pPr lvl="0"/>
             <a:r>
-              <a:rPr lang="en-US" smtClean="0"/>
+              <a:rPr lang="en-US"/>
               <a:t>Click to edit Master text styles</a:t>
             </a:r>
           </a:p>
           <a:p>
             <a:pPr lvl="1"/>
             <a:r>
-              <a:rPr lang="en-US" smtClean="0"/>
+              <a:rPr lang="en-US"/>
               <a:t>Second level</a:t>
             </a:r>
           </a:p>
           <a:p>
             <a:pPr lvl="2"/>
             <a:r>
-              <a:rPr lang="en-US" smtClean="0"/>
+              <a:rPr lang="en-US"/>
               <a:t>Third level</a:t>
             </a:r>
           </a:p>
           <a:p>
             <a:pPr lvl="3"/>
             <a:r>
-              <a:rPr lang="en-US" smtClean="0"/>
+              <a:rPr lang="en-US"/>
               <a:t>Fourth level</a:t>
             </a:r>
           </a:p>
           <a:p>
             <a:pPr lvl="4"/>
             <a:r>
-              <a:rPr lang="en-US" smtClean="0"/>
+              <a:rPr lang="en-US"/>
               <a:t>Fifth level</a:t>
             </a:r>
             <a:endParaRPr lang="en-GB"/>
@@ -461,7 +477,7 @@
           <a:p>
             <a:fld id="{2BADA974-C095-4A87-A085-A80765DD6B85}" type="datetimeFigureOut">
               <a:rPr lang="en-GB" smtClean="0"/>
-              <a:t>09/07/2015</a:t>
+              <a:t>12/03/2023</a:t>
             </a:fld>
             <a:endParaRPr lang="en-GB"/>
           </a:p>
@@ -560,7 +576,7 @@
           <a:lstStyle/>
           <a:p>
             <a:r>
-              <a:rPr lang="en-US" smtClean="0"/>
+              <a:rPr lang="en-US"/>
               <a:t>Click to edit Master title style</a:t>
             </a:r>
             <a:endParaRPr lang="en-GB"/>
@@ -589,35 +605,35 @@
           <a:p>
             <a:pPr lvl="0"/>
             <a:r>
-              <a:rPr lang="en-US" smtClean="0"/>
+              <a:rPr lang="en-US"/>
               <a:t>Click to edit Master text styles</a:t>
             </a:r>
           </a:p>
           <a:p>
             <a:pPr lvl="1"/>
             <a:r>
-              <a:rPr lang="en-US" smtClean="0"/>
+              <a:rPr lang="en-US"/>
               <a:t>Second level</a:t>
             </a:r>
           </a:p>
           <a:p>
             <a:pPr lvl="2"/>
             <a:r>
-              <a:rPr lang="en-US" smtClean="0"/>
+              <a:rPr lang="en-US"/>
               <a:t>Third level</a:t>
             </a:r>
           </a:p>
           <a:p>
             <a:pPr lvl="3"/>
             <a:r>
-              <a:rPr lang="en-US" smtClean="0"/>
+              <a:rPr lang="en-US"/>
               <a:t>Fourth level</a:t>
             </a:r>
           </a:p>
           <a:p>
             <a:pPr lvl="4"/>
             <a:r>
-              <a:rPr lang="en-US" smtClean="0"/>
+              <a:rPr lang="en-US"/>
               <a:t>Fifth level</a:t>
             </a:r>
             <a:endParaRPr lang="en-GB"/>
@@ -641,7 +657,7 @@
           <a:p>
             <a:fld id="{2BADA974-C095-4A87-A085-A80765DD6B85}" type="datetimeFigureOut">
               <a:rPr lang="en-GB" smtClean="0"/>
-              <a:t>09/07/2015</a:t>
+              <a:t>12/03/2023</a:t>
             </a:fld>
             <a:endParaRPr lang="en-GB"/>
           </a:p>
@@ -735,7 +751,7 @@
           <a:lstStyle/>
           <a:p>
             <a:r>
-              <a:rPr lang="en-US" smtClean="0"/>
+              <a:rPr lang="en-US"/>
               <a:t>Click to edit Master title style</a:t>
             </a:r>
             <a:endParaRPr lang="en-GB"/>
@@ -759,35 +775,35 @@
           <a:p>
             <a:pPr lvl="0"/>
             <a:r>
-              <a:rPr lang="en-US" smtClean="0"/>
+              <a:rPr lang="en-US"/>
               <a:t>Click to edit Master text styles</a:t>
             </a:r>
           </a:p>
           <a:p>
             <a:pPr lvl="1"/>
             <a:r>
-              <a:rPr lang="en-US" smtClean="0"/>
+              <a:rPr lang="en-US"/>
               <a:t>Second level</a:t>
             </a:r>
           </a:p>
           <a:p>
             <a:pPr lvl="2"/>
             <a:r>
-              <a:rPr lang="en-US" smtClean="0"/>
+              <a:rPr lang="en-US"/>
               <a:t>Third level</a:t>
             </a:r>
           </a:p>
           <a:p>
             <a:pPr lvl="3"/>
             <a:r>
-              <a:rPr lang="en-US" smtClean="0"/>
+              <a:rPr lang="en-US"/>
               <a:t>Fourth level</a:t>
             </a:r>
           </a:p>
           <a:p>
             <a:pPr lvl="4"/>
             <a:r>
-              <a:rPr lang="en-US" smtClean="0"/>
+              <a:rPr lang="en-US"/>
               <a:t>Fifth level</a:t>
             </a:r>
             <a:endParaRPr lang="en-GB"/>
@@ -811,7 +827,7 @@
           <a:p>
             <a:fld id="{2BADA974-C095-4A87-A085-A80765DD6B85}" type="datetimeFigureOut">
               <a:rPr lang="en-GB" smtClean="0"/>
-              <a:t>09/07/2015</a:t>
+              <a:t>12/03/2023</a:t>
             </a:fld>
             <a:endParaRPr lang="en-GB"/>
           </a:p>
@@ -914,7 +930,7 @@
           </a:lstStyle>
           <a:p>
             <a:r>
-              <a:rPr lang="en-US" smtClean="0"/>
+              <a:rPr lang="en-US"/>
               <a:t>Click to edit Master title style</a:t>
             </a:r>
             <a:endParaRPr lang="en-GB"/>
@@ -1034,7 +1050,7 @@
           <a:p>
             <a:pPr lvl="0"/>
             <a:r>
-              <a:rPr lang="en-US" smtClean="0"/>
+              <a:rPr lang="en-US"/>
               <a:t>Click to edit Master text styles</a:t>
             </a:r>
           </a:p>
@@ -1057,7 +1073,7 @@
           <a:p>
             <a:fld id="{2BADA974-C095-4A87-A085-A80765DD6B85}" type="datetimeFigureOut">
               <a:rPr lang="en-GB" smtClean="0"/>
-              <a:t>09/07/2015</a:t>
+              <a:t>12/03/2023</a:t>
             </a:fld>
             <a:endParaRPr lang="en-GB"/>
           </a:p>
@@ -1151,7 +1167,7 @@
           <a:lstStyle/>
           <a:p>
             <a:r>
-              <a:rPr lang="en-US" smtClean="0"/>
+              <a:rPr lang="en-US"/>
               <a:t>Click to edit Master title style</a:t>
             </a:r>
             <a:endParaRPr lang="en-GB"/>
@@ -1208,35 +1224,35 @@
           <a:p>
             <a:pPr lvl="0"/>
             <a:r>
-              <a:rPr lang="en-US" smtClean="0"/>
+              <a:rPr lang="en-US"/>
               <a:t>Click to edit Master text styles</a:t>
             </a:r>
           </a:p>
           <a:p>
             <a:pPr lvl="1"/>
             <a:r>
-              <a:rPr lang="en-US" smtClean="0"/>
+              <a:rPr lang="en-US"/>
               <a:t>Second level</a:t>
             </a:r>
           </a:p>
           <a:p>
             <a:pPr lvl="2"/>
             <a:r>
-              <a:rPr lang="en-US" smtClean="0"/>
+              <a:rPr lang="en-US"/>
               <a:t>Third level</a:t>
             </a:r>
           </a:p>
           <a:p>
             <a:pPr lvl="3"/>
             <a:r>
-              <a:rPr lang="en-US" smtClean="0"/>
+              <a:rPr lang="en-US"/>
               <a:t>Fourth level</a:t>
             </a:r>
           </a:p>
           <a:p>
             <a:pPr lvl="4"/>
             <a:r>
-              <a:rPr lang="en-US" smtClean="0"/>
+              <a:rPr lang="en-US"/>
               <a:t>Fifth level</a:t>
             </a:r>
             <a:endParaRPr lang="en-GB"/>
@@ -1293,35 +1309,35 @@
           <a:p>
             <a:pPr lvl="0"/>
             <a:r>
-              <a:rPr lang="en-US" smtClean="0"/>
+              <a:rPr lang="en-US"/>
               <a:t>Click to edit Master text styles</a:t>
             </a:r>
           </a:p>
           <a:p>
             <a:pPr lvl="1"/>
             <a:r>
-              <a:rPr lang="en-US" smtClean="0"/>
+              <a:rPr lang="en-US"/>
               <a:t>Second level</a:t>
             </a:r>
           </a:p>
           <a:p>
             <a:pPr lvl="2"/>
             <a:r>
-              <a:rPr lang="en-US" smtClean="0"/>
+              <a:rPr lang="en-US"/>
               <a:t>Third level</a:t>
             </a:r>
           </a:p>
           <a:p>
             <a:pPr lvl="3"/>
             <a:r>
-              <a:rPr lang="en-US" smtClean="0"/>
+              <a:rPr lang="en-US"/>
               <a:t>Fourth level</a:t>
             </a:r>
           </a:p>
           <a:p>
             <a:pPr lvl="4"/>
             <a:r>
-              <a:rPr lang="en-US" smtClean="0"/>
+              <a:rPr lang="en-US"/>
               <a:t>Fifth level</a:t>
             </a:r>
             <a:endParaRPr lang="en-GB"/>
@@ -1345,7 +1361,7 @@
           <a:p>
             <a:fld id="{2BADA974-C095-4A87-A085-A80765DD6B85}" type="datetimeFigureOut">
               <a:rPr lang="en-GB" smtClean="0"/>
-              <a:t>09/07/2015</a:t>
+              <a:t>12/03/2023</a:t>
             </a:fld>
             <a:endParaRPr lang="en-GB"/>
           </a:p>
@@ -1443,7 +1459,7 @@
           </a:lstStyle>
           <a:p>
             <a:r>
-              <a:rPr lang="en-US" smtClean="0"/>
+              <a:rPr lang="en-US"/>
               <a:t>Click to edit Master title style</a:t>
             </a:r>
             <a:endParaRPr lang="en-GB"/>
@@ -1509,7 +1525,7 @@
           <a:p>
             <a:pPr lvl="0"/>
             <a:r>
-              <a:rPr lang="en-US" smtClean="0"/>
+              <a:rPr lang="en-US"/>
               <a:t>Click to edit Master text styles</a:t>
             </a:r>
           </a:p>
@@ -1565,35 +1581,35 @@
           <a:p>
             <a:pPr lvl="0"/>
             <a:r>
-              <a:rPr lang="en-US" smtClean="0"/>
+              <a:rPr lang="en-US"/>
               <a:t>Click to edit Master text styles</a:t>
             </a:r>
           </a:p>
           <a:p>
             <a:pPr lvl="1"/>
             <a:r>
-              <a:rPr lang="en-US" smtClean="0"/>
+              <a:rPr lang="en-US"/>
               <a:t>Second level</a:t>
             </a:r>
           </a:p>
           <a:p>
             <a:pPr lvl="2"/>
             <a:r>
-              <a:rPr lang="en-US" smtClean="0"/>
+              <a:rPr lang="en-US"/>
               <a:t>Third level</a:t>
             </a:r>
           </a:p>
           <a:p>
             <a:pPr lvl="3"/>
             <a:r>
-              <a:rPr lang="en-US" smtClean="0"/>
+              <a:rPr lang="en-US"/>
               <a:t>Fourth level</a:t>
             </a:r>
           </a:p>
           <a:p>
             <a:pPr lvl="4"/>
             <a:r>
-              <a:rPr lang="en-US" smtClean="0"/>
+              <a:rPr lang="en-US"/>
               <a:t>Fifth level</a:t>
             </a:r>
             <a:endParaRPr lang="en-GB"/>
@@ -1659,7 +1675,7 @@
           <a:p>
             <a:pPr lvl="0"/>
             <a:r>
-              <a:rPr lang="en-US" smtClean="0"/>
+              <a:rPr lang="en-US"/>
               <a:t>Click to edit Master text styles</a:t>
             </a:r>
           </a:p>
@@ -1715,35 +1731,35 @@
           <a:p>
             <a:pPr lvl="0"/>
             <a:r>
-              <a:rPr lang="en-US" smtClean="0"/>
+              <a:rPr lang="en-US"/>
               <a:t>Click to edit Master text styles</a:t>
             </a:r>
           </a:p>
           <a:p>
             <a:pPr lvl="1"/>
             <a:r>
-              <a:rPr lang="en-US" smtClean="0"/>
+              <a:rPr lang="en-US"/>
               <a:t>Second level</a:t>
             </a:r>
           </a:p>
           <a:p>
             <a:pPr lvl="2"/>
             <a:r>
-              <a:rPr lang="en-US" smtClean="0"/>
+              <a:rPr lang="en-US"/>
               <a:t>Third level</a:t>
             </a:r>
           </a:p>
           <a:p>
             <a:pPr lvl="3"/>
             <a:r>
-              <a:rPr lang="en-US" smtClean="0"/>
+              <a:rPr lang="en-US"/>
               <a:t>Fourth level</a:t>
             </a:r>
           </a:p>
           <a:p>
             <a:pPr lvl="4"/>
             <a:r>
-              <a:rPr lang="en-US" smtClean="0"/>
+              <a:rPr lang="en-US"/>
               <a:t>Fifth level</a:t>
             </a:r>
             <a:endParaRPr lang="en-GB"/>
@@ -1767,7 +1783,7 @@
           <a:p>
             <a:fld id="{2BADA974-C095-4A87-A085-A80765DD6B85}" type="datetimeFigureOut">
               <a:rPr lang="en-GB" smtClean="0"/>
-              <a:t>09/07/2015</a:t>
+              <a:t>12/03/2023</a:t>
             </a:fld>
             <a:endParaRPr lang="en-GB"/>
           </a:p>
@@ -1861,7 +1877,7 @@
           <a:lstStyle/>
           <a:p>
             <a:r>
-              <a:rPr lang="en-US" smtClean="0"/>
+              <a:rPr lang="en-US"/>
               <a:t>Click to edit Master title style</a:t>
             </a:r>
             <a:endParaRPr lang="en-GB"/>
@@ -1885,7 +1901,7 @@
           <a:p>
             <a:fld id="{2BADA974-C095-4A87-A085-A80765DD6B85}" type="datetimeFigureOut">
               <a:rPr lang="en-GB" smtClean="0"/>
-              <a:t>09/07/2015</a:t>
+              <a:t>12/03/2023</a:t>
             </a:fld>
             <a:endParaRPr lang="en-GB"/>
           </a:p>
@@ -1980,7 +1996,7 @@
           <a:p>
             <a:fld id="{2BADA974-C095-4A87-A085-A80765DD6B85}" type="datetimeFigureOut">
               <a:rPr lang="en-GB" smtClean="0"/>
-              <a:t>09/07/2015</a:t>
+              <a:t>12/03/2023</a:t>
             </a:fld>
             <a:endParaRPr lang="en-GB"/>
           </a:p>
@@ -2083,7 +2099,7 @@
           </a:lstStyle>
           <a:p>
             <a:r>
-              <a:rPr lang="en-US" smtClean="0"/>
+              <a:rPr lang="en-US"/>
               <a:t>Click to edit Master title style</a:t>
             </a:r>
             <a:endParaRPr lang="en-GB"/>
@@ -2140,35 +2156,35 @@
           <a:p>
             <a:pPr lvl="0"/>
             <a:r>
-              <a:rPr lang="en-US" smtClean="0"/>
+              <a:rPr lang="en-US"/>
               <a:t>Click to edit Master text styles</a:t>
             </a:r>
           </a:p>
           <a:p>
             <a:pPr lvl="1"/>
             <a:r>
-              <a:rPr lang="en-US" smtClean="0"/>
+              <a:rPr lang="en-US"/>
               <a:t>Second level</a:t>
             </a:r>
           </a:p>
           <a:p>
             <a:pPr lvl="2"/>
             <a:r>
-              <a:rPr lang="en-US" smtClean="0"/>
+              <a:rPr lang="en-US"/>
               <a:t>Third level</a:t>
             </a:r>
           </a:p>
           <a:p>
             <a:pPr lvl="3"/>
             <a:r>
-              <a:rPr lang="en-US" smtClean="0"/>
+              <a:rPr lang="en-US"/>
               <a:t>Fourth level</a:t>
             </a:r>
           </a:p>
           <a:p>
             <a:pPr lvl="4"/>
             <a:r>
-              <a:rPr lang="en-US" smtClean="0"/>
+              <a:rPr lang="en-US"/>
               <a:t>Fifth level</a:t>
             </a:r>
             <a:endParaRPr lang="en-GB"/>
@@ -2234,7 +2250,7 @@
           <a:p>
             <a:pPr lvl="0"/>
             <a:r>
-              <a:rPr lang="en-US" smtClean="0"/>
+              <a:rPr lang="en-US"/>
               <a:t>Click to edit Master text styles</a:t>
             </a:r>
           </a:p>
@@ -2257,7 +2273,7 @@
           <a:p>
             <a:fld id="{2BADA974-C095-4A87-A085-A80765DD6B85}" type="datetimeFigureOut">
               <a:rPr lang="en-GB" smtClean="0"/>
-              <a:t>09/07/2015</a:t>
+              <a:t>12/03/2023</a:t>
             </a:fld>
             <a:endParaRPr lang="en-GB"/>
           </a:p>
@@ -2360,7 +2376,7 @@
           </a:lstStyle>
           <a:p>
             <a:r>
-              <a:rPr lang="en-US" smtClean="0"/>
+              <a:rPr lang="en-US"/>
               <a:t>Click to edit Master title style</a:t>
             </a:r>
             <a:endParaRPr lang="en-GB"/>
@@ -2487,7 +2503,7 @@
           <a:p>
             <a:pPr lvl="0"/>
             <a:r>
-              <a:rPr lang="en-US" smtClean="0"/>
+              <a:rPr lang="en-US"/>
               <a:t>Click to edit Master text styles</a:t>
             </a:r>
           </a:p>
@@ -2510,7 +2526,7 @@
           <a:p>
             <a:fld id="{2BADA974-C095-4A87-A085-A80765DD6B85}" type="datetimeFigureOut">
               <a:rPr lang="en-GB" smtClean="0"/>
-              <a:t>09/07/2015</a:t>
+              <a:t>12/03/2023</a:t>
             </a:fld>
             <a:endParaRPr lang="en-GB"/>
           </a:p>
@@ -2619,7 +2635,7 @@
           <a:lstStyle/>
           <a:p>
             <a:r>
-              <a:rPr lang="en-US" smtClean="0"/>
+              <a:rPr lang="en-US"/>
               <a:t>Click to edit Master title style</a:t>
             </a:r>
             <a:endParaRPr lang="en-GB"/>
@@ -2653,35 +2669,35 @@
           <a:p>
             <a:pPr lvl="0"/>
             <a:r>
-              <a:rPr lang="en-US" smtClean="0"/>
+              <a:rPr lang="en-US"/>
               <a:t>Click to edit Master text styles</a:t>
             </a:r>
           </a:p>
           <a:p>
             <a:pPr lvl="1"/>
             <a:r>
-              <a:rPr lang="en-US" smtClean="0"/>
+              <a:rPr lang="en-US"/>
               <a:t>Second level</a:t>
             </a:r>
           </a:p>
           <a:p>
             <a:pPr lvl="2"/>
             <a:r>
-              <a:rPr lang="en-US" smtClean="0"/>
+              <a:rPr lang="en-US"/>
               <a:t>Third level</a:t>
             </a:r>
           </a:p>
           <a:p>
             <a:pPr lvl="3"/>
             <a:r>
-              <a:rPr lang="en-US" smtClean="0"/>
+              <a:rPr lang="en-US"/>
               <a:t>Fourth level</a:t>
             </a:r>
           </a:p>
           <a:p>
             <a:pPr lvl="4"/>
             <a:r>
-              <a:rPr lang="en-US" smtClean="0"/>
+              <a:rPr lang="en-US"/>
               <a:t>Fifth level</a:t>
             </a:r>
             <a:endParaRPr lang="en-GB"/>
@@ -2723,7 +2739,7 @@
           <a:p>
             <a:fld id="{2BADA974-C095-4A87-A085-A80765DD6B85}" type="datetimeFigureOut">
               <a:rPr lang="en-GB" smtClean="0"/>
-              <a:t>09/07/2015</a:t>
+              <a:t>12/03/2023</a:t>
             </a:fld>
             <a:endParaRPr lang="en-GB"/>
           </a:p>
@@ -3135,8 +3151,8 @@
           <a:p>
             <a:pPr algn="ctr"/>
             <a:r>
-              <a:rPr lang="en-GB" sz="1400" dirty="0" err="1" smtClean="0"/>
-              <a:t>IsisLogOnExceptionFilter</a:t>
+              <a:rPr lang="en-GB" sz="1400"/>
+              <a:t>CausewayLogOnExceptionFilter</a:t>
             </a:r>
             <a:endParaRPr lang="en-GB" sz="1400" dirty="0"/>
           </a:p>
@@ -3179,7 +3195,7 @@
           <a:p>
             <a:pPr algn="ctr"/>
             <a:r>
-              <a:rPr lang="en-GB" sz="1400" dirty="0" err="1" smtClean="0"/>
+              <a:rPr lang="en-GB" sz="1400" dirty="0" err="1"/>
               <a:t>ResourceCachingFilter</a:t>
             </a:r>
             <a:endParaRPr lang="en-GB" sz="1400" dirty="0"/>
@@ -3223,8 +3239,15 @@
           <a:p>
             <a:pPr algn="ctr"/>
             <a:r>
-              <a:rPr lang="en-GB" sz="1400" dirty="0" err="1" smtClean="0"/>
-              <a:t>IsisSessionFilter</a:t>
+              <a:rPr lang="en-GB" sz="1400"/>
+              <a:t>CausewAYSession</a:t>
+            </a:r>
+            <a:br>
+              <a:rPr lang="en-GB" sz="1400"/>
+            </a:br>
+            <a:r>
+              <a:rPr lang="en-GB" sz="1400"/>
+              <a:t>Filter</a:t>
             </a:r>
             <a:endParaRPr lang="en-GB" sz="1400" dirty="0"/>
           </a:p>
@@ -3267,18 +3290,21 @@
           <a:p>
             <a:pPr algn="ctr"/>
             <a:r>
-              <a:rPr lang="en-GB" sz="1400" dirty="0" err="1" smtClean="0"/>
-              <a:t>IsisTransactionFilter</a:t>
-            </a:r>
-            <a:r>
-              <a:rPr lang="en-GB" sz="1400" dirty="0" smtClean="0"/>
-              <a:t/>
+              <a:rPr lang="en-GB" sz="1400"/>
+              <a:t>CausewayTransaction</a:t>
             </a:r>
             <a:br>
-              <a:rPr lang="en-GB" sz="1400" dirty="0" smtClean="0"/>
+              <a:rPr lang="en-GB" sz="1400"/>
             </a:br>
             <a:r>
-              <a:rPr lang="en-GB" sz="1400" dirty="0" err="1" smtClean="0"/>
+              <a:rPr lang="en-GB" sz="1400"/>
+              <a:t>Filter</a:t>
+            </a:r>
+            <a:br>
+              <a:rPr lang="en-GB" sz="1400" dirty="0"/>
+            </a:br>
+            <a:r>
+              <a:rPr lang="en-GB" sz="1400" dirty="0" err="1"/>
               <a:t>ForRestfulObjects</a:t>
             </a:r>
             <a:endParaRPr lang="en-GB" sz="1400" dirty="0"/>
@@ -3322,26 +3348,25 @@
           <a:p>
             <a:pPr algn="ctr"/>
             <a:r>
-              <a:rPr lang="en-GB" sz="1400" dirty="0" err="1" smtClean="0"/>
+              <a:rPr lang="en-GB" sz="1400" dirty="0" err="1"/>
               <a:t>HttpServletDispatcher</a:t>
             </a:r>
-            <a:endParaRPr lang="en-GB" sz="1400" dirty="0" smtClean="0"/>
+            <a:endParaRPr lang="en-GB" sz="1400" dirty="0"/>
           </a:p>
           <a:p>
             <a:pPr algn="ctr"/>
             <a:r>
-              <a:rPr lang="en-GB" sz="1400" dirty="0" smtClean="0"/>
+              <a:rPr lang="en-GB" sz="1400" dirty="0"/>
               <a:t>(</a:t>
             </a:r>
             <a:r>
-              <a:rPr lang="en-GB" sz="1400" dirty="0" err="1" smtClean="0"/>
+              <a:rPr lang="en-GB" sz="1400" dirty="0" err="1"/>
               <a:t>RestEasy</a:t>
             </a:r>
             <a:r>
-              <a:rPr lang="en-GB" sz="1400" dirty="0" smtClean="0"/>
+              <a:rPr lang="en-GB" sz="1400" dirty="0"/>
               <a:t>)</a:t>
             </a:r>
-            <a:endParaRPr lang="en-GB" sz="1400" dirty="0"/>
           </a:p>
         </p:txBody>
       </p:sp>
@@ -3382,7 +3407,7 @@
           <a:p>
             <a:pPr algn="ctr"/>
             <a:r>
-              <a:rPr lang="en-GB" sz="1400" dirty="0" err="1" smtClean="0"/>
+              <a:rPr lang="en-GB" sz="1400" dirty="0" err="1"/>
               <a:t>ResourceServlet</a:t>
             </a:r>
             <a:endParaRPr lang="en-GB" sz="1400" dirty="0"/>
@@ -3426,33 +3451,24 @@
           <a:p>
             <a:pPr algn="ctr"/>
             <a:r>
-              <a:rPr lang="en-GB" sz="1400" dirty="0" err="1" smtClean="0"/>
+              <a:rPr lang="en-GB" sz="1400" dirty="0" err="1"/>
               <a:t>ShiroFilter</a:t>
             </a:r>
-            <a:r>
-              <a:rPr lang="en-GB" sz="1400" dirty="0" smtClean="0"/>
-              <a:t/>
-            </a:r>
             <a:br>
-              <a:rPr lang="en-GB" sz="1400" dirty="0" smtClean="0"/>
+              <a:rPr lang="en-GB" sz="1400" dirty="0"/>
             </a:br>
             <a:r>
-              <a:rPr lang="en-GB" sz="1400" dirty="0" smtClean="0"/>
+              <a:rPr lang="en-GB" sz="1400" dirty="0"/>
               <a:t>(</a:t>
             </a:r>
             <a:r>
               <a:rPr lang="en-GB" sz="1400" dirty="0" err="1"/>
-              <a:t>S</a:t>
-            </a:r>
-            <a:r>
-              <a:rPr lang="en-GB" sz="1400" dirty="0" err="1" smtClean="0"/>
-              <a:t>hiro</a:t>
-            </a:r>
-            <a:r>
-              <a:rPr lang="en-GB" sz="1400" dirty="0" smtClean="0"/>
+              <a:t>Shiro</a:t>
+            </a:r>
+            <a:r>
+              <a:rPr lang="en-GB" sz="1400" dirty="0"/>
               <a:t>)</a:t>
             </a:r>
-            <a:endParaRPr lang="en-GB" sz="1400" dirty="0"/>
           </a:p>
         </p:txBody>
       </p:sp>
@@ -3493,26 +3509,21 @@
           <a:p>
             <a:pPr algn="ctr"/>
             <a:r>
-              <a:rPr lang="en-GB" sz="1400" dirty="0" err="1" smtClean="0"/>
+              <a:rPr lang="en-GB" sz="1400" dirty="0" err="1"/>
               <a:t>RestEasyBootstrapper</a:t>
             </a:r>
             <a:r>
-              <a:rPr lang="en-GB" sz="1400" dirty="0" smtClean="0"/>
-              <a:t> </a:t>
-            </a:r>
-            <a:r>
-              <a:rPr lang="en-GB" sz="1400" dirty="0" smtClean="0"/>
-              <a:t>(</a:t>
-            </a:r>
-            <a:r>
-              <a:rPr lang="en-GB" sz="1400" dirty="0" err="1" smtClean="0"/>
+              <a:rPr lang="en-GB" sz="1400" dirty="0"/>
+              <a:t> (</a:t>
+            </a:r>
+            <a:r>
+              <a:rPr lang="en-GB" sz="1400" dirty="0" err="1"/>
               <a:t>RestEasy</a:t>
             </a:r>
             <a:r>
-              <a:rPr lang="en-GB" sz="1400" dirty="0" smtClean="0"/>
+              <a:rPr lang="en-GB" sz="1400" dirty="0"/>
               <a:t>)</a:t>
             </a:r>
-            <a:endParaRPr lang="en-GB" sz="1400" dirty="0"/>
           </a:p>
         </p:txBody>
       </p:sp>
@@ -3553,7 +3564,7 @@
           <a:p>
             <a:pPr algn="ctr"/>
             <a:r>
-              <a:rPr lang="en-GB" sz="1400" dirty="0" err="1" smtClean="0"/>
+              <a:rPr lang="en-GB" sz="1400" dirty="0" err="1"/>
               <a:t>RestfulObjectApplication</a:t>
             </a:r>
             <a:endParaRPr lang="en-GB" sz="1400" dirty="0"/>
@@ -3595,27 +3606,27 @@
           <a:p>
             <a:pPr algn="ctr"/>
             <a:r>
-              <a:rPr lang="en-GB" sz="1400" dirty="0" smtClean="0"/>
+              <a:rPr lang="en-GB" sz="1400" dirty="0"/>
               <a:t>.</a:t>
             </a:r>
             <a:r>
-              <a:rPr lang="en-GB" sz="1400" dirty="0" err="1" smtClean="0"/>
+              <a:rPr lang="en-GB" sz="1400" dirty="0" err="1"/>
               <a:t>png</a:t>
             </a:r>
             <a:r>
-              <a:rPr lang="en-GB" sz="1400" dirty="0" smtClean="0"/>
+              <a:rPr lang="en-GB" sz="1400" dirty="0"/>
               <a:t>, .jpg, .</a:t>
             </a:r>
             <a:r>
-              <a:rPr lang="en-GB" sz="1400" dirty="0" err="1" smtClean="0"/>
+              <a:rPr lang="en-GB" sz="1400" dirty="0" err="1"/>
               <a:t>css</a:t>
             </a:r>
             <a:r>
-              <a:rPr lang="en-GB" sz="1400" dirty="0" smtClean="0"/>
+              <a:rPr lang="en-GB" sz="1400" dirty="0"/>
               <a:t> </a:t>
             </a:r>
             <a:r>
-              <a:rPr lang="en-GB" sz="1400" dirty="0" err="1" smtClean="0"/>
+              <a:rPr lang="en-GB" sz="1400" dirty="0" err="1"/>
               <a:t>etc</a:t>
             </a:r>
             <a:endParaRPr lang="en-GB" sz="1400" dirty="0"/>
@@ -3687,10 +3698,9 @@
           <a:lstStyle/>
           <a:p>
             <a:r>
-              <a:rPr lang="en-GB" dirty="0" smtClean="0"/>
+              <a:rPr lang="en-GB" dirty="0"/>
               <a:t>/restful</a:t>
             </a:r>
-            <a:endParaRPr lang="en-GB" dirty="0"/>
           </a:p>
         </p:txBody>
       </p:sp>
@@ -3759,10 +3769,9 @@
           <a:lstStyle/>
           <a:p>
             <a:r>
-              <a:rPr lang="en-GB" dirty="0" smtClean="0"/>
+              <a:rPr lang="en-GB" dirty="0"/>
               <a:t>(resources)</a:t>
             </a:r>
-            <a:endParaRPr lang="en-GB" dirty="0"/>
           </a:p>
         </p:txBody>
       </p:sp>
@@ -3803,21 +3812,16 @@
           <a:p>
             <a:pPr algn="ctr"/>
             <a:r>
-              <a:rPr lang="en-GB" sz="1400" dirty="0" err="1" smtClean="0"/>
+              <a:rPr lang="en-GB" sz="1400" dirty="0" err="1"/>
               <a:t>WicketFilter</a:t>
             </a:r>
-            <a:r>
-              <a:rPr lang="en-GB" sz="1400" dirty="0" smtClean="0"/>
-              <a:t/>
-            </a:r>
             <a:br>
-              <a:rPr lang="en-GB" sz="1400" dirty="0" smtClean="0"/>
+              <a:rPr lang="en-GB" sz="1400" dirty="0"/>
             </a:br>
             <a:r>
-              <a:rPr lang="en-GB" sz="1400" dirty="0" smtClean="0"/>
+              <a:rPr lang="en-GB" sz="1400" dirty="0"/>
               <a:t>(Wicket)</a:t>
             </a:r>
-            <a:endParaRPr lang="en-GB" sz="1400" dirty="0"/>
           </a:p>
         </p:txBody>
       </p:sp>
@@ -3858,21 +3862,16 @@
           <a:p>
             <a:pPr algn="r"/>
             <a:r>
-              <a:rPr lang="en-GB" sz="1400" dirty="0" err="1" smtClean="0"/>
-              <a:t>IsisWicketApplication</a:t>
-            </a:r>
-            <a:r>
-              <a:rPr lang="en-GB" sz="1400" dirty="0" smtClean="0"/>
-              <a:t/>
+              <a:rPr lang="en-GB" sz="1400"/>
+              <a:t>CausewayWicketApplication</a:t>
             </a:r>
             <a:br>
-              <a:rPr lang="en-GB" sz="1400" dirty="0" smtClean="0"/>
+              <a:rPr lang="en-GB" sz="1400" dirty="0"/>
             </a:br>
             <a:r>
-              <a:rPr lang="en-GB" sz="1400" dirty="0" smtClean="0"/>
+              <a:rPr lang="en-GB" sz="1400" dirty="0"/>
               <a:t>(application-specific subclass)</a:t>
             </a:r>
-            <a:endParaRPr lang="en-GB" sz="1400" dirty="0"/>
           </a:p>
         </p:txBody>
       </p:sp>
@@ -3941,7 +3940,7 @@
           <a:lstStyle/>
           <a:p>
             <a:r>
-              <a:rPr lang="en-GB" smtClean="0"/>
+              <a:rPr lang="en-GB"/>
               <a:t>/wicket</a:t>
             </a:r>
             <a:endParaRPr lang="en-GB" dirty="0"/>
@@ -3956,8 +3955,8 @@
         </p:nvSpPr>
         <p:spPr>
           <a:xfrm>
-            <a:off x="4230564" y="2132856"/>
-            <a:ext cx="1872208" cy="288032"/>
+            <a:off x="4230565" y="2132856"/>
+            <a:ext cx="2357660" cy="288032"/>
           </a:xfrm>
           <a:prstGeom prst="rect">
             <a:avLst/>
@@ -3983,10 +3982,13 @@
           <a:p>
             <a:pPr algn="ctr"/>
             <a:r>
-              <a:rPr lang="en-GB" sz="1400" dirty="0" smtClean="0"/>
-              <a:t>Isis Bootstrapping</a:t>
-            </a:r>
-            <a:endParaRPr lang="en-GB" sz="1400" dirty="0"/>
+              <a:rPr lang="en-GB" sz="1400"/>
+              <a:t>Causeway </a:t>
+            </a:r>
+            <a:r>
+              <a:rPr lang="en-GB" sz="1400" dirty="0"/>
+              <a:t>Bootstrapping</a:t>
+            </a:r>
           </a:p>
         </p:txBody>
       </p:sp>
@@ -3998,7 +4000,7 @@
         </p:nvSpPr>
         <p:spPr>
           <a:xfrm rot="16200000">
-            <a:off x="4041244" y="2754224"/>
+            <a:off x="4041245" y="2754224"/>
             <a:ext cx="1008112" cy="629471"/>
           </a:xfrm>
           <a:prstGeom prst="rect">
@@ -4025,11 +4027,15 @@
           <a:p>
             <a:pPr algn="ctr"/>
             <a:r>
-              <a:rPr lang="en-GB" sz="1400" dirty="0" smtClean="0"/>
-              <a:t>Isis session </a:t>
-            </a:r>
-            <a:r>
-              <a:rPr lang="en-GB" sz="1400" dirty="0" err="1" smtClean="0"/>
+              <a:rPr lang="en-GB" sz="1400"/>
+              <a:t>Causeway </a:t>
+            </a:r>
+            <a:r>
+              <a:rPr lang="en-GB" sz="1400" dirty="0"/>
+              <a:t>session </a:t>
+            </a:r>
+            <a:r>
+              <a:rPr lang="en-GB" sz="1400" dirty="0" err="1"/>
               <a:t>mgmt</a:t>
             </a:r>
             <a:endParaRPr lang="en-GB" sz="1400" dirty="0"/>
@@ -4071,11 +4077,15 @@
           <a:p>
             <a:pPr algn="ctr"/>
             <a:r>
-              <a:rPr lang="en-GB" sz="1400" dirty="0" smtClean="0"/>
-              <a:t>Isis transaction </a:t>
-            </a:r>
-            <a:r>
-              <a:rPr lang="en-GB" sz="1400" dirty="0" err="1" smtClean="0"/>
+              <a:rPr lang="en-GB" sz="1400"/>
+              <a:t>Causeway </a:t>
+            </a:r>
+            <a:r>
+              <a:rPr lang="en-GB" sz="1400" dirty="0"/>
+              <a:t>transaction </a:t>
+            </a:r>
+            <a:r>
+              <a:rPr lang="en-GB" sz="1400" dirty="0" err="1"/>
               <a:t>mgmt</a:t>
             </a:r>
             <a:endParaRPr lang="en-GB" sz="1400" dirty="0"/>
@@ -4119,22 +4129,21 @@
           <a:p>
             <a:pPr algn="ctr"/>
             <a:r>
-              <a:rPr lang="en-GB" sz="1400" dirty="0" err="1" smtClean="0"/>
+              <a:rPr lang="en-GB" sz="1400" dirty="0" err="1"/>
               <a:t>EnvironmentLoaderListener</a:t>
             </a:r>
             <a:r>
-              <a:rPr lang="en-GB" sz="1400" dirty="0" smtClean="0"/>
+              <a:rPr lang="en-GB" sz="1400" dirty="0"/>
               <a:t> (</a:t>
             </a:r>
             <a:r>
-              <a:rPr lang="en-GB" sz="1400" dirty="0" err="1" smtClean="0"/>
+              <a:rPr lang="en-GB" sz="1400" dirty="0" err="1"/>
               <a:t>Shiro</a:t>
             </a:r>
             <a:r>
-              <a:rPr lang="en-GB" sz="1400" dirty="0" smtClean="0"/>
+              <a:rPr lang="en-GB" sz="1400" dirty="0"/>
               <a:t>)</a:t>
             </a:r>
-            <a:endParaRPr lang="en-GB" sz="1400" dirty="0"/>
           </a:p>
         </p:txBody>
       </p:sp>
@@ -4205,8 +4214,8 @@
           <a:p>
             <a:pPr algn="ctr"/>
             <a:r>
-              <a:rPr lang="en-GB" sz="1400" dirty="0" err="1" smtClean="0"/>
-              <a:t>IsisLogOnExceptionFilter</a:t>
+              <a:rPr lang="en-GB" sz="1400"/>
+              <a:t>CausewayLogOnExceptionFilter</a:t>
             </a:r>
             <a:endParaRPr lang="en-GB" sz="1400" dirty="0"/>
           </a:p>
@@ -4249,7 +4258,7 @@
           <a:p>
             <a:pPr algn="ctr"/>
             <a:r>
-              <a:rPr lang="en-GB" sz="1400" dirty="0" err="1" smtClean="0"/>
+              <a:rPr lang="en-GB" sz="1400" dirty="0" err="1"/>
               <a:t>ResourceCachingFilter</a:t>
             </a:r>
             <a:endParaRPr lang="en-GB" sz="1400" dirty="0"/>
@@ -4293,7 +4302,7 @@
           <a:p>
             <a:pPr algn="ctr"/>
             <a:r>
-              <a:rPr lang="en-GB" sz="1400" dirty="0" err="1" smtClean="0"/>
+              <a:rPr lang="en-GB" sz="1400" dirty="0" err="1"/>
               <a:t>ResourceServlet</a:t>
             </a:r>
             <a:endParaRPr lang="en-GB" sz="1400" dirty="0"/>
@@ -4337,33 +4346,24 @@
           <a:p>
             <a:pPr algn="ctr"/>
             <a:r>
-              <a:rPr lang="en-GB" sz="1400" dirty="0" err="1" smtClean="0"/>
+              <a:rPr lang="en-GB" sz="1400" dirty="0" err="1"/>
               <a:t>ShiroFilter</a:t>
             </a:r>
-            <a:r>
-              <a:rPr lang="en-GB" sz="1400" dirty="0" smtClean="0"/>
-              <a:t/>
-            </a:r>
             <a:br>
-              <a:rPr lang="en-GB" sz="1400" dirty="0" smtClean="0"/>
+              <a:rPr lang="en-GB" sz="1400" dirty="0"/>
             </a:br>
             <a:r>
-              <a:rPr lang="en-GB" sz="1400" dirty="0" smtClean="0"/>
+              <a:rPr lang="en-GB" sz="1400" dirty="0"/>
               <a:t>(</a:t>
             </a:r>
             <a:r>
               <a:rPr lang="en-GB" sz="1400" dirty="0" err="1"/>
-              <a:t>S</a:t>
-            </a:r>
-            <a:r>
-              <a:rPr lang="en-GB" sz="1400" dirty="0" err="1" smtClean="0"/>
-              <a:t>hiro</a:t>
-            </a:r>
-            <a:r>
-              <a:rPr lang="en-GB" sz="1400" dirty="0" smtClean="0"/>
+              <a:t>Shiro</a:t>
+            </a:r>
+            <a:r>
+              <a:rPr lang="en-GB" sz="1400" dirty="0"/>
               <a:t>)</a:t>
             </a:r>
-            <a:endParaRPr lang="en-GB" sz="1400" dirty="0"/>
           </a:p>
         </p:txBody>
       </p:sp>
@@ -4402,27 +4402,27 @@
           <a:p>
             <a:pPr algn="ctr"/>
             <a:r>
-              <a:rPr lang="en-GB" sz="1400" dirty="0" smtClean="0"/>
+              <a:rPr lang="en-GB" sz="1400" dirty="0"/>
               <a:t>.</a:t>
             </a:r>
             <a:r>
-              <a:rPr lang="en-GB" sz="1400" dirty="0" err="1" smtClean="0"/>
+              <a:rPr lang="en-GB" sz="1400" dirty="0" err="1"/>
               <a:t>png</a:t>
             </a:r>
             <a:r>
-              <a:rPr lang="en-GB" sz="1400" dirty="0" smtClean="0"/>
+              <a:rPr lang="en-GB" sz="1400" dirty="0"/>
               <a:t>, .jpg, .</a:t>
             </a:r>
             <a:r>
-              <a:rPr lang="en-GB" sz="1400" dirty="0" err="1" smtClean="0"/>
+              <a:rPr lang="en-GB" sz="1400" dirty="0" err="1"/>
               <a:t>css</a:t>
             </a:r>
             <a:r>
-              <a:rPr lang="en-GB" sz="1400" dirty="0" smtClean="0"/>
+              <a:rPr lang="en-GB" sz="1400" dirty="0"/>
               <a:t> </a:t>
             </a:r>
             <a:r>
-              <a:rPr lang="en-GB" sz="1400" dirty="0" err="1" smtClean="0"/>
+              <a:rPr lang="en-GB" sz="1400" dirty="0" err="1"/>
               <a:t>etc</a:t>
             </a:r>
             <a:endParaRPr lang="en-GB" sz="1400" dirty="0"/>
@@ -4494,7 +4494,7 @@
           <a:lstStyle/>
           <a:p>
             <a:r>
-              <a:rPr lang="en-GB" smtClean="0"/>
+              <a:rPr lang="en-GB"/>
               <a:t>/wicket</a:t>
             </a:r>
             <a:endParaRPr lang="en-GB" dirty="0"/>
@@ -4566,10 +4566,9 @@
           <a:lstStyle/>
           <a:p>
             <a:r>
-              <a:rPr lang="en-GB" dirty="0" smtClean="0"/>
+              <a:rPr lang="en-GB" dirty="0"/>
               <a:t>(resources)</a:t>
             </a:r>
-            <a:endParaRPr lang="en-GB" dirty="0"/>
           </a:p>
         </p:txBody>
       </p:sp>
@@ -4610,26 +4609,21 @@
           <a:p>
             <a:pPr algn="ctr"/>
             <a:r>
-              <a:rPr lang="en-GB" sz="1400" dirty="0" err="1" smtClean="0"/>
+              <a:rPr lang="en-GB" sz="1400" dirty="0" err="1"/>
               <a:t>RestEasyBootstrapper</a:t>
             </a:r>
             <a:r>
-              <a:rPr lang="en-GB" sz="1400" dirty="0" smtClean="0"/>
-              <a:t> </a:t>
-            </a:r>
-            <a:r>
-              <a:rPr lang="en-GB" sz="1400" dirty="0" smtClean="0"/>
-              <a:t>(</a:t>
-            </a:r>
-            <a:r>
-              <a:rPr lang="en-GB" sz="1400" dirty="0" err="1" smtClean="0"/>
+              <a:rPr lang="en-GB" sz="1400" dirty="0"/>
+              <a:t> (</a:t>
+            </a:r>
+            <a:r>
+              <a:rPr lang="en-GB" sz="1400" dirty="0" err="1"/>
               <a:t>RestEasy</a:t>
             </a:r>
             <a:r>
-              <a:rPr lang="en-GB" sz="1400" dirty="0" smtClean="0"/>
+              <a:rPr lang="en-GB" sz="1400" dirty="0"/>
               <a:t>)</a:t>
             </a:r>
-            <a:endParaRPr lang="en-GB" sz="1400" dirty="0"/>
           </a:p>
         </p:txBody>
       </p:sp>
@@ -4670,22 +4664,21 @@
           <a:p>
             <a:pPr algn="ctr"/>
             <a:r>
-              <a:rPr lang="en-GB" sz="1400" dirty="0" err="1" smtClean="0"/>
+              <a:rPr lang="en-GB" sz="1400" dirty="0" err="1"/>
               <a:t>EnvironmentLoaderListener</a:t>
             </a:r>
             <a:r>
-              <a:rPr lang="en-GB" sz="1400" dirty="0" smtClean="0"/>
+              <a:rPr lang="en-GB" sz="1400" dirty="0"/>
               <a:t> (</a:t>
             </a:r>
             <a:r>
-              <a:rPr lang="en-GB" sz="1400" dirty="0" err="1" smtClean="0"/>
+              <a:rPr lang="en-GB" sz="1400" dirty="0" err="1"/>
               <a:t>Shiro</a:t>
             </a:r>
             <a:r>
-              <a:rPr lang="en-GB" sz="1400" dirty="0" smtClean="0"/>
+              <a:rPr lang="en-GB" sz="1400" dirty="0"/>
               <a:t>)</a:t>
             </a:r>
-            <a:endParaRPr lang="en-GB" sz="1400" dirty="0"/>
           </a:p>
         </p:txBody>
       </p:sp>
@@ -4726,21 +4719,16 @@
           <a:p>
             <a:pPr algn="ctr"/>
             <a:r>
-              <a:rPr lang="en-GB" sz="1400" dirty="0" err="1" smtClean="0"/>
+              <a:rPr lang="en-GB" sz="1400" dirty="0" err="1"/>
               <a:t>WicketFilter</a:t>
             </a:r>
-            <a:r>
-              <a:rPr lang="en-GB" sz="1400" dirty="0" smtClean="0"/>
-              <a:t/>
-            </a:r>
             <a:br>
-              <a:rPr lang="en-GB" sz="1400" dirty="0" smtClean="0"/>
+              <a:rPr lang="en-GB" sz="1400" dirty="0"/>
             </a:br>
             <a:r>
-              <a:rPr lang="en-GB" sz="1400" dirty="0" smtClean="0"/>
+              <a:rPr lang="en-GB" sz="1400" dirty="0"/>
               <a:t>(Wicket)</a:t>
             </a:r>
-            <a:endParaRPr lang="en-GB" sz="1400" dirty="0"/>
           </a:p>
         </p:txBody>
       </p:sp>
@@ -4781,34 +4769,35 @@
           <a:p>
             <a:pPr algn="r"/>
             <a:r>
-              <a:rPr lang="en-GB" sz="1400" dirty="0" err="1" smtClean="0"/>
-              <a:t>IsisWicketApplication</a:t>
-            </a:r>
-            <a:r>
-              <a:rPr lang="en-GB" sz="1400" dirty="0" smtClean="0"/>
-              <a:t/>
+              <a:rPr lang="en-GB" sz="1400"/>
+              <a:t>CausewayWicketApplication</a:t>
             </a:r>
             <a:br>
-              <a:rPr lang="en-GB" sz="1400" dirty="0" smtClean="0"/>
+              <a:rPr lang="en-GB" sz="1400" dirty="0"/>
             </a:br>
             <a:r>
-              <a:rPr lang="en-GB" sz="1400" dirty="0" smtClean="0"/>
+              <a:rPr lang="en-GB" sz="1400" dirty="0"/>
               <a:t>(application-specific subclass)</a:t>
             </a:r>
-            <a:endParaRPr lang="en-GB" sz="1400" dirty="0"/>
-          </a:p>
-        </p:txBody>
-      </p:sp>
-      <p:sp>
-        <p:nvSpPr>
-          <p:cNvPr id="36" name="Rectangle 35"/>
+          </a:p>
+        </p:txBody>
+      </p:sp>
+      <p:sp>
+        <p:nvSpPr>
+          <p:cNvPr id="2" name="Rectangle 1">
+            <a:extLst>
+              <a:ext uri="{FF2B5EF4-FFF2-40B4-BE49-F238E27FC236}">
+                <a16:creationId xmlns:a16="http://schemas.microsoft.com/office/drawing/2014/main" id="{599CA2BE-E716-2FFD-F713-A00D2B51AA7D}"/>
+              </a:ext>
+            </a:extLst>
+          </p:cNvPr>
           <p:cNvSpPr/>
           <p:nvPr/>
         </p:nvSpPr>
         <p:spPr>
           <a:xfrm>
-            <a:off x="4230564" y="2132856"/>
-            <a:ext cx="1872208" cy="288032"/>
+            <a:off x="4230565" y="2132856"/>
+            <a:ext cx="2357660" cy="288032"/>
           </a:xfrm>
           <a:prstGeom prst="rect">
             <a:avLst/>
@@ -4834,22 +4823,31 @@
           <a:p>
             <a:pPr algn="ctr"/>
             <a:r>
-              <a:rPr lang="en-GB" sz="1400" dirty="0" smtClean="0"/>
-              <a:t>Isis Bootstrapping</a:t>
-            </a:r>
-            <a:endParaRPr lang="en-GB" sz="1400" dirty="0"/>
-          </a:p>
-        </p:txBody>
-      </p:sp>
-      <p:sp>
-        <p:nvSpPr>
-          <p:cNvPr id="37" name="Rectangle 36"/>
+              <a:rPr lang="en-GB" sz="1400"/>
+              <a:t>Causeway </a:t>
+            </a:r>
+            <a:r>
+              <a:rPr lang="en-GB" sz="1400" dirty="0"/>
+              <a:t>Bootstrapping</a:t>
+            </a:r>
+          </a:p>
+        </p:txBody>
+      </p:sp>
+      <p:sp>
+        <p:nvSpPr>
+          <p:cNvPr id="3" name="Rectangle 2">
+            <a:extLst>
+              <a:ext uri="{FF2B5EF4-FFF2-40B4-BE49-F238E27FC236}">
+                <a16:creationId xmlns:a16="http://schemas.microsoft.com/office/drawing/2014/main" id="{31DC89DE-4B37-429B-D14F-3FBC6DAAE63E}"/>
+              </a:ext>
+            </a:extLst>
+          </p:cNvPr>
           <p:cNvSpPr/>
           <p:nvPr/>
         </p:nvSpPr>
         <p:spPr>
           <a:xfrm rot="16200000">
-            <a:off x="4041244" y="2754224"/>
+            <a:off x="4041245" y="2754224"/>
             <a:ext cx="1008112" cy="629471"/>
           </a:xfrm>
           <a:prstGeom prst="rect">
@@ -4876,11 +4874,15 @@
           <a:p>
             <a:pPr algn="ctr"/>
             <a:r>
-              <a:rPr lang="en-GB" sz="1400" dirty="0" smtClean="0"/>
-              <a:t>Isis session </a:t>
-            </a:r>
-            <a:r>
-              <a:rPr lang="en-GB" sz="1400" dirty="0" err="1" smtClean="0"/>
+              <a:rPr lang="en-GB" sz="1400"/>
+              <a:t>Causeway </a:t>
+            </a:r>
+            <a:r>
+              <a:rPr lang="en-GB" sz="1400" dirty="0"/>
+              <a:t>session </a:t>
+            </a:r>
+            <a:r>
+              <a:rPr lang="en-GB" sz="1400" dirty="0" err="1"/>
               <a:t>mgmt</a:t>
             </a:r>
             <a:endParaRPr lang="en-GB" sz="1400" dirty="0"/>
@@ -4889,7 +4891,13 @@
       </p:sp>
       <p:sp>
         <p:nvSpPr>
-          <p:cNvPr id="38" name="Rectangle 37"/>
+          <p:cNvPr id="6" name="Rectangle 5">
+            <a:extLst>
+              <a:ext uri="{FF2B5EF4-FFF2-40B4-BE49-F238E27FC236}">
+                <a16:creationId xmlns:a16="http://schemas.microsoft.com/office/drawing/2014/main" id="{7CB6D483-915C-B647-F656-1FB643326859}"/>
+              </a:ext>
+            </a:extLst>
+          </p:cNvPr>
           <p:cNvSpPr/>
           <p:nvPr/>
         </p:nvSpPr>
@@ -4922,11 +4930,15 @@
           <a:p>
             <a:pPr algn="ctr"/>
             <a:r>
-              <a:rPr lang="en-GB" sz="1400" dirty="0" smtClean="0"/>
-              <a:t>Isis transaction </a:t>
-            </a:r>
-            <a:r>
-              <a:rPr lang="en-GB" sz="1400" dirty="0" err="1" smtClean="0"/>
+              <a:rPr lang="en-GB" sz="1400"/>
+              <a:t>Causeway </a:t>
+            </a:r>
+            <a:r>
+              <a:rPr lang="en-GB" sz="1400" dirty="0"/>
+              <a:t>transaction </a:t>
+            </a:r>
+            <a:r>
+              <a:rPr lang="en-GB" sz="1400" dirty="0" err="1"/>
               <a:t>mgmt</a:t>
             </a:r>
             <a:endParaRPr lang="en-GB" sz="1400" dirty="0"/>
@@ -5000,8 +5012,8 @@
           <a:p>
             <a:pPr algn="ctr"/>
             <a:r>
-              <a:rPr lang="en-GB" sz="1400" dirty="0" err="1" smtClean="0"/>
-              <a:t>IsisWebAppBootstrapper</a:t>
+              <a:rPr lang="en-GB" sz="1400"/>
+              <a:t>CausewayWebAppBootstrapper</a:t>
             </a:r>
             <a:endParaRPr lang="en-GB" sz="1400" dirty="0"/>
           </a:p>
@@ -5044,8 +5056,8 @@
           <a:p>
             <a:pPr algn="ctr"/>
             <a:r>
-              <a:rPr lang="en-GB" sz="1400" dirty="0" err="1" smtClean="0"/>
-              <a:t>IsisLogOnExceptionFilter</a:t>
+              <a:rPr lang="en-GB" sz="1400"/>
+              <a:t>CausewayLogOnExceptionFilter</a:t>
             </a:r>
             <a:endParaRPr lang="en-GB" sz="1400" dirty="0"/>
           </a:p>
@@ -5088,7 +5100,7 @@
           <a:p>
             <a:pPr algn="ctr"/>
             <a:r>
-              <a:rPr lang="en-GB" sz="1400" dirty="0" err="1" smtClean="0"/>
+              <a:rPr lang="en-GB" sz="1400" dirty="0" err="1"/>
               <a:t>ResourceCachingFilter</a:t>
             </a:r>
             <a:endParaRPr lang="en-GB" sz="1400" dirty="0"/>
@@ -5132,7 +5144,7 @@
           <a:p>
             <a:pPr algn="ctr"/>
             <a:r>
-              <a:rPr lang="en-GB" sz="1400" dirty="0" err="1" smtClean="0"/>
+              <a:rPr lang="en-GB" sz="1400" dirty="0" err="1"/>
               <a:t>IsisSessionFilter</a:t>
             </a:r>
             <a:endParaRPr lang="en-GB" sz="1400" dirty="0"/>
@@ -5176,18 +5188,21 @@
           <a:p>
             <a:pPr algn="ctr"/>
             <a:r>
-              <a:rPr lang="en-GB" sz="1400" dirty="0" err="1" smtClean="0"/>
-              <a:t>IsisTransactionFilter</a:t>
-            </a:r>
-            <a:r>
-              <a:rPr lang="en-GB" sz="1400" dirty="0" smtClean="0"/>
-              <a:t/>
+              <a:rPr lang="en-GB" sz="1400"/>
+              <a:t>CausewayTransaction</a:t>
             </a:r>
             <a:br>
-              <a:rPr lang="en-GB" sz="1400" dirty="0" smtClean="0"/>
+              <a:rPr lang="en-GB" sz="1400"/>
             </a:br>
             <a:r>
-              <a:rPr lang="en-GB" sz="1400" dirty="0" err="1" smtClean="0"/>
+              <a:rPr lang="en-GB" sz="1400"/>
+              <a:t>Filter</a:t>
+            </a:r>
+            <a:br>
+              <a:rPr lang="en-GB" sz="1400" dirty="0"/>
+            </a:br>
+            <a:r>
+              <a:rPr lang="en-GB" sz="1400" dirty="0" err="1"/>
               <a:t>ForRestfulObjects</a:t>
             </a:r>
             <a:endParaRPr lang="en-GB" sz="1400" dirty="0"/>
@@ -5231,26 +5246,25 @@
           <a:p>
             <a:pPr algn="ctr"/>
             <a:r>
-              <a:rPr lang="en-GB" sz="1400" dirty="0" err="1" smtClean="0"/>
+              <a:rPr lang="en-GB" sz="1400" dirty="0" err="1"/>
               <a:t>HttpServletDispatcher</a:t>
             </a:r>
-            <a:endParaRPr lang="en-GB" sz="1400" dirty="0" smtClean="0"/>
+            <a:endParaRPr lang="en-GB" sz="1400" dirty="0"/>
           </a:p>
           <a:p>
             <a:pPr algn="ctr"/>
             <a:r>
-              <a:rPr lang="en-GB" sz="1400" dirty="0" smtClean="0"/>
+              <a:rPr lang="en-GB" sz="1400" dirty="0"/>
               <a:t>(</a:t>
             </a:r>
             <a:r>
-              <a:rPr lang="en-GB" sz="1400" dirty="0" err="1" smtClean="0"/>
+              <a:rPr lang="en-GB" sz="1400" dirty="0" err="1"/>
               <a:t>RestEasy</a:t>
             </a:r>
             <a:r>
-              <a:rPr lang="en-GB" sz="1400" dirty="0" smtClean="0"/>
+              <a:rPr lang="en-GB" sz="1400" dirty="0"/>
               <a:t>)</a:t>
             </a:r>
-            <a:endParaRPr lang="en-GB" sz="1400" dirty="0"/>
           </a:p>
         </p:txBody>
       </p:sp>
@@ -5291,7 +5305,7 @@
           <a:p>
             <a:pPr algn="ctr"/>
             <a:r>
-              <a:rPr lang="en-GB" sz="1400" dirty="0" err="1" smtClean="0"/>
+              <a:rPr lang="en-GB" sz="1400" dirty="0" err="1"/>
               <a:t>ResourceServlet</a:t>
             </a:r>
             <a:endParaRPr lang="en-GB" sz="1400" dirty="0"/>
@@ -5335,33 +5349,24 @@
           <a:p>
             <a:pPr algn="ctr"/>
             <a:r>
-              <a:rPr lang="en-GB" sz="1400" dirty="0" err="1" smtClean="0"/>
+              <a:rPr lang="en-GB" sz="1400" dirty="0" err="1"/>
               <a:t>ShiroFilter</a:t>
             </a:r>
-            <a:r>
-              <a:rPr lang="en-GB" sz="1400" dirty="0" smtClean="0"/>
-              <a:t/>
-            </a:r>
             <a:br>
-              <a:rPr lang="en-GB" sz="1400" dirty="0" smtClean="0"/>
+              <a:rPr lang="en-GB" sz="1400" dirty="0"/>
             </a:br>
             <a:r>
-              <a:rPr lang="en-GB" sz="1400" dirty="0" smtClean="0"/>
+              <a:rPr lang="en-GB" sz="1400" dirty="0"/>
               <a:t>(</a:t>
             </a:r>
             <a:r>
               <a:rPr lang="en-GB" sz="1400" dirty="0" err="1"/>
-              <a:t>S</a:t>
-            </a:r>
-            <a:r>
-              <a:rPr lang="en-GB" sz="1400" dirty="0" err="1" smtClean="0"/>
-              <a:t>hiro</a:t>
-            </a:r>
-            <a:r>
-              <a:rPr lang="en-GB" sz="1400" dirty="0" smtClean="0"/>
+              <a:t>Shiro</a:t>
+            </a:r>
+            <a:r>
+              <a:rPr lang="en-GB" sz="1400" dirty="0"/>
               <a:t>)</a:t>
             </a:r>
-            <a:endParaRPr lang="en-GB" sz="1400" dirty="0"/>
           </a:p>
         </p:txBody>
       </p:sp>
@@ -5402,7 +5407,7 @@
           <a:p>
             <a:pPr algn="ctr"/>
             <a:r>
-              <a:rPr lang="en-GB" sz="1400" dirty="0" err="1" smtClean="0"/>
+              <a:rPr lang="en-GB" sz="1400" dirty="0" err="1"/>
               <a:t>RestfulObjectApplication</a:t>
             </a:r>
             <a:endParaRPr lang="en-GB" sz="1400" dirty="0"/>
@@ -5444,27 +5449,27 @@
           <a:p>
             <a:pPr algn="ctr"/>
             <a:r>
-              <a:rPr lang="en-GB" sz="1400" dirty="0" smtClean="0"/>
+              <a:rPr lang="en-GB" sz="1400" dirty="0"/>
               <a:t>.</a:t>
             </a:r>
             <a:r>
-              <a:rPr lang="en-GB" sz="1400" dirty="0" err="1" smtClean="0"/>
+              <a:rPr lang="en-GB" sz="1400" dirty="0" err="1"/>
               <a:t>png</a:t>
             </a:r>
             <a:r>
-              <a:rPr lang="en-GB" sz="1400" dirty="0" smtClean="0"/>
+              <a:rPr lang="en-GB" sz="1400" dirty="0"/>
               <a:t>, .jpg, .</a:t>
             </a:r>
             <a:r>
-              <a:rPr lang="en-GB" sz="1400" dirty="0" err="1" smtClean="0"/>
+              <a:rPr lang="en-GB" sz="1400" dirty="0" err="1"/>
               <a:t>css</a:t>
             </a:r>
             <a:r>
-              <a:rPr lang="en-GB" sz="1400" dirty="0" smtClean="0"/>
+              <a:rPr lang="en-GB" sz="1400" dirty="0"/>
               <a:t> </a:t>
             </a:r>
             <a:r>
-              <a:rPr lang="en-GB" sz="1400" dirty="0" err="1" smtClean="0"/>
+              <a:rPr lang="en-GB" sz="1400" dirty="0" err="1"/>
               <a:t>etc</a:t>
             </a:r>
             <a:endParaRPr lang="en-GB" sz="1400" dirty="0"/>
@@ -5479,8 +5484,8 @@
         </p:nvSpPr>
         <p:spPr>
           <a:xfrm>
-            <a:off x="1691680" y="3933056"/>
-            <a:ext cx="1872208" cy="288032"/>
+            <a:off x="1187624" y="3933056"/>
+            <a:ext cx="2376264" cy="288032"/>
           </a:xfrm>
           <a:prstGeom prst="rect">
             <a:avLst/>
@@ -5506,10 +5511,13 @@
           <a:p>
             <a:pPr algn="ctr"/>
             <a:r>
-              <a:rPr lang="en-GB" sz="1400" dirty="0" smtClean="0"/>
-              <a:t>Isis Bootstrapping</a:t>
-            </a:r>
-            <a:endParaRPr lang="en-GB" sz="1400" dirty="0"/>
+              <a:rPr lang="en-GB" sz="1400"/>
+              <a:t>Causeway </a:t>
+            </a:r>
+            <a:r>
+              <a:rPr lang="en-GB" sz="1400" dirty="0"/>
+              <a:t>Bootstrapping</a:t>
+            </a:r>
           </a:p>
         </p:txBody>
       </p:sp>
@@ -5578,10 +5586,9 @@
           <a:lstStyle/>
           <a:p>
             <a:r>
-              <a:rPr lang="en-GB" dirty="0" smtClean="0"/>
+              <a:rPr lang="en-GB" dirty="0"/>
               <a:t>/restful</a:t>
             </a:r>
-            <a:endParaRPr lang="en-GB" dirty="0"/>
           </a:p>
         </p:txBody>
       </p:sp>
@@ -5650,10 +5657,9 @@
           <a:lstStyle/>
           <a:p>
             <a:r>
-              <a:rPr lang="en-GB" dirty="0" smtClean="0"/>
+              <a:rPr lang="en-GB" dirty="0"/>
               <a:t>(resources)</a:t>
             </a:r>
-            <a:endParaRPr lang="en-GB" dirty="0"/>
           </a:p>
         </p:txBody>
       </p:sp>
@@ -5694,26 +5700,21 @@
           <a:p>
             <a:pPr algn="ctr"/>
             <a:r>
-              <a:rPr lang="en-GB" sz="1400" dirty="0" err="1" smtClean="0"/>
+              <a:rPr lang="en-GB" sz="1400" dirty="0" err="1"/>
               <a:t>RestEasyBootstrapper</a:t>
             </a:r>
             <a:r>
-              <a:rPr lang="en-GB" sz="1400" dirty="0" smtClean="0"/>
-              <a:t> </a:t>
-            </a:r>
-            <a:r>
-              <a:rPr lang="en-GB" sz="1400" dirty="0" smtClean="0"/>
-              <a:t>(</a:t>
-            </a:r>
-            <a:r>
-              <a:rPr lang="en-GB" sz="1400" dirty="0" err="1" smtClean="0"/>
+              <a:rPr lang="en-GB" sz="1400" dirty="0"/>
+              <a:t> (</a:t>
+            </a:r>
+            <a:r>
+              <a:rPr lang="en-GB" sz="1400" dirty="0" err="1"/>
               <a:t>RestEasy</a:t>
             </a:r>
             <a:r>
-              <a:rPr lang="en-GB" sz="1400" dirty="0" smtClean="0"/>
+              <a:rPr lang="en-GB" sz="1400" dirty="0"/>
               <a:t>)</a:t>
             </a:r>
-            <a:endParaRPr lang="en-GB" sz="1400" dirty="0"/>
           </a:p>
         </p:txBody>
       </p:sp>
@@ -5754,22 +5755,21 @@
           <a:p>
             <a:pPr algn="ctr"/>
             <a:r>
-              <a:rPr lang="en-GB" sz="1400" dirty="0" err="1" smtClean="0"/>
+              <a:rPr lang="en-GB" sz="1400" dirty="0" err="1"/>
               <a:t>EnvironmentLoaderListener</a:t>
             </a:r>
             <a:r>
-              <a:rPr lang="en-GB" sz="1400" dirty="0" smtClean="0"/>
+              <a:rPr lang="en-GB" sz="1400" dirty="0"/>
               <a:t> (</a:t>
             </a:r>
             <a:r>
-              <a:rPr lang="en-GB" sz="1400" dirty="0" err="1" smtClean="0"/>
+              <a:rPr lang="en-GB" sz="1400" dirty="0" err="1"/>
               <a:t>Shiro</a:t>
             </a:r>
             <a:r>
-              <a:rPr lang="en-GB" sz="1400" dirty="0" smtClean="0"/>
+              <a:rPr lang="en-GB" sz="1400" dirty="0"/>
               <a:t>)</a:t>
             </a:r>
-            <a:endParaRPr lang="en-GB" sz="1400" dirty="0"/>
           </a:p>
         </p:txBody>
       </p:sp>
@@ -5840,10 +5840,9 @@
           <a:p>
             <a:pPr algn="ctr"/>
             <a:r>
-              <a:rPr lang="en-GB" sz="1400" dirty="0" smtClean="0"/>
+              <a:rPr lang="en-GB" sz="1400" dirty="0"/>
               <a:t>servlet</a:t>
             </a:r>
-            <a:endParaRPr lang="en-GB" sz="1400" dirty="0"/>
           </a:p>
         </p:txBody>
       </p:sp>
@@ -5884,10 +5883,9 @@
           <a:p>
             <a:pPr algn="ctr"/>
             <a:r>
-              <a:rPr lang="en-GB" sz="1400" dirty="0" smtClean="0"/>
+              <a:rPr lang="en-GB" sz="1400" dirty="0"/>
               <a:t>filter</a:t>
             </a:r>
-            <a:endParaRPr lang="en-GB" sz="1400" dirty="0"/>
           </a:p>
         </p:txBody>
       </p:sp>
@@ -5929,13 +5927,8 @@
             <a:pPr algn="ctr"/>
             <a:r>
               <a:rPr lang="en-GB" sz="1400" dirty="0"/>
-              <a:t>s</a:t>
-            </a:r>
-            <a:r>
-              <a:rPr lang="en-GB" sz="1400" dirty="0" smtClean="0"/>
-              <a:t>ervlet context listener</a:t>
-            </a:r>
-            <a:endParaRPr lang="en-GB" sz="1400" dirty="0"/>
+              <a:t>servlet context listener</a:t>
+            </a:r>
           </a:p>
         </p:txBody>
       </p:sp>
@@ -5976,10 +5969,9 @@
           <a:p>
             <a:pPr algn="ctr"/>
             <a:r>
-              <a:rPr lang="en-GB" sz="1400" dirty="0" smtClean="0"/>
+              <a:rPr lang="en-GB" sz="1400" dirty="0"/>
               <a:t>Wicket API</a:t>
             </a:r>
-            <a:endParaRPr lang="en-GB" sz="1400" dirty="0"/>
           </a:p>
         </p:txBody>
       </p:sp>
@@ -6020,10 +6012,9 @@
           <a:p>
             <a:pPr algn="ctr"/>
             <a:r>
-              <a:rPr lang="en-GB" sz="1400" dirty="0" smtClean="0"/>
+              <a:rPr lang="en-GB" sz="1400" dirty="0"/>
               <a:t>JAX-RS API</a:t>
             </a:r>
-            <a:endParaRPr lang="en-GB" sz="1400" dirty="0"/>
           </a:p>
         </p:txBody>
       </p:sp>
